--- a/1 기능 정의/project04 - 기능 정의 - 서희.pptx
+++ b/1 기능 정의/project04 - 기능 정의 - 서희.pptx
@@ -109,7 +109,7 @@
   </p:defaultTextStyle>
   <p:extLst>
     <p:ext uri="{EFAFB233-063F-42B5-8137-9DF3F51BA10A}">
-      <p15:sldGuideLst xmlns:p15="http://schemas.microsoft.com/office/powerpoint/2012/main" xmlns="">
+      <p15:sldGuideLst xmlns:p15="http://schemas.microsoft.com/office/powerpoint/2012/main">
         <p15:guide id="1" orient="horz" pos="2160">
           <p15:clr>
             <a:srgbClr val="A4A3A4"/>
@@ -168,10 +168,9 @@
           </a:lstStyle>
           <a:p>
             <a:r>
-              <a:rPr lang="ko-KR" altLang="en-US" smtClean="0"/>
+              <a:rPr lang="ko-KR" altLang="en-US"/>
               <a:t>마스터 제목 스타일 편집</a:t>
             </a:r>
-            <a:endParaRPr lang="ko-KR" altLang="en-US"/>
           </a:p>
         </p:txBody>
       </p:sp>
@@ -233,10 +232,9 @@
           </a:lstStyle>
           <a:p>
             <a:r>
-              <a:rPr lang="ko-KR" altLang="en-US" smtClean="0"/>
+              <a:rPr lang="ko-KR" altLang="en-US"/>
               <a:t>마스터 부제목 스타일 편집</a:t>
             </a:r>
-            <a:endParaRPr lang="ko-KR" altLang="en-US"/>
           </a:p>
         </p:txBody>
       </p:sp>
@@ -258,7 +256,7 @@
             <a:fld id="{E0C64F5E-737F-4F6B-9F15-DAA8DB3BF429}" type="datetimeFigureOut">
               <a:rPr lang="ko-KR" altLang="en-US" smtClean="0"/>
               <a:pPr/>
-              <a:t>2020-02-28</a:t>
+              <a:t>2020-03-01</a:t>
             </a:fld>
             <a:endParaRPr lang="ko-KR" altLang="en-US"/>
           </a:p>
@@ -353,10 +351,9 @@
           <a:lstStyle/>
           <a:p>
             <a:r>
-              <a:rPr lang="ko-KR" altLang="en-US" smtClean="0"/>
+              <a:rPr lang="ko-KR" altLang="en-US"/>
               <a:t>마스터 제목 스타일 편집</a:t>
             </a:r>
-            <a:endParaRPr lang="ko-KR" altLang="en-US"/>
           </a:p>
         </p:txBody>
       </p:sp>
@@ -377,38 +374,37 @@
           <a:p>
             <a:pPr lvl="0"/>
             <a:r>
-              <a:rPr lang="ko-KR" altLang="en-US" smtClean="0"/>
+              <a:rPr lang="ko-KR" altLang="en-US"/>
               <a:t>마스터 텍스트 스타일을 편집합니다</a:t>
             </a:r>
           </a:p>
           <a:p>
             <a:pPr lvl="1"/>
             <a:r>
-              <a:rPr lang="ko-KR" altLang="en-US" smtClean="0"/>
+              <a:rPr lang="ko-KR" altLang="en-US"/>
               <a:t>둘째 수준</a:t>
             </a:r>
           </a:p>
           <a:p>
             <a:pPr lvl="2"/>
             <a:r>
-              <a:rPr lang="ko-KR" altLang="en-US" smtClean="0"/>
+              <a:rPr lang="ko-KR" altLang="en-US"/>
               <a:t>셋째 수준</a:t>
             </a:r>
           </a:p>
           <a:p>
             <a:pPr lvl="3"/>
             <a:r>
-              <a:rPr lang="ko-KR" altLang="en-US" smtClean="0"/>
+              <a:rPr lang="ko-KR" altLang="en-US"/>
               <a:t>넷째 수준</a:t>
             </a:r>
           </a:p>
           <a:p>
             <a:pPr lvl="4"/>
             <a:r>
-              <a:rPr lang="ko-KR" altLang="en-US" smtClean="0"/>
+              <a:rPr lang="ko-KR" altLang="en-US"/>
               <a:t>다섯째 수준</a:t>
             </a:r>
-            <a:endParaRPr lang="ko-KR" altLang="en-US"/>
           </a:p>
         </p:txBody>
       </p:sp>
@@ -430,7 +426,7 @@
             <a:fld id="{E0C64F5E-737F-4F6B-9F15-DAA8DB3BF429}" type="datetimeFigureOut">
               <a:rPr lang="ko-KR" altLang="en-US" smtClean="0"/>
               <a:pPr/>
-              <a:t>2020-02-28</a:t>
+              <a:t>2020-03-01</a:t>
             </a:fld>
             <a:endParaRPr lang="ko-KR" altLang="en-US"/>
           </a:p>
@@ -530,10 +526,9 @@
           <a:lstStyle/>
           <a:p>
             <a:r>
-              <a:rPr lang="ko-KR" altLang="en-US" smtClean="0"/>
+              <a:rPr lang="ko-KR" altLang="en-US"/>
               <a:t>마스터 제목 스타일 편집</a:t>
             </a:r>
-            <a:endParaRPr lang="ko-KR" altLang="en-US"/>
           </a:p>
         </p:txBody>
       </p:sp>
@@ -559,38 +554,37 @@
           <a:p>
             <a:pPr lvl="0"/>
             <a:r>
-              <a:rPr lang="ko-KR" altLang="en-US" smtClean="0"/>
+              <a:rPr lang="ko-KR" altLang="en-US"/>
               <a:t>마스터 텍스트 스타일을 편집합니다</a:t>
             </a:r>
           </a:p>
           <a:p>
             <a:pPr lvl="1"/>
             <a:r>
-              <a:rPr lang="ko-KR" altLang="en-US" smtClean="0"/>
+              <a:rPr lang="ko-KR" altLang="en-US"/>
               <a:t>둘째 수준</a:t>
             </a:r>
           </a:p>
           <a:p>
             <a:pPr lvl="2"/>
             <a:r>
-              <a:rPr lang="ko-KR" altLang="en-US" smtClean="0"/>
+              <a:rPr lang="ko-KR" altLang="en-US"/>
               <a:t>셋째 수준</a:t>
             </a:r>
           </a:p>
           <a:p>
             <a:pPr lvl="3"/>
             <a:r>
-              <a:rPr lang="ko-KR" altLang="en-US" smtClean="0"/>
+              <a:rPr lang="ko-KR" altLang="en-US"/>
               <a:t>넷째 수준</a:t>
             </a:r>
           </a:p>
           <a:p>
             <a:pPr lvl="4"/>
             <a:r>
-              <a:rPr lang="ko-KR" altLang="en-US" smtClean="0"/>
+              <a:rPr lang="ko-KR" altLang="en-US"/>
               <a:t>다섯째 수준</a:t>
             </a:r>
-            <a:endParaRPr lang="ko-KR" altLang="en-US"/>
           </a:p>
         </p:txBody>
       </p:sp>
@@ -612,7 +606,7 @@
             <a:fld id="{E0C64F5E-737F-4F6B-9F15-DAA8DB3BF429}" type="datetimeFigureOut">
               <a:rPr lang="ko-KR" altLang="en-US" smtClean="0"/>
               <a:pPr/>
-              <a:t>2020-02-28</a:t>
+              <a:t>2020-03-01</a:t>
             </a:fld>
             <a:endParaRPr lang="ko-KR" altLang="en-US"/>
           </a:p>
@@ -707,10 +701,9 @@
           <a:lstStyle/>
           <a:p>
             <a:r>
-              <a:rPr lang="ko-KR" altLang="en-US" smtClean="0"/>
+              <a:rPr lang="ko-KR" altLang="en-US"/>
               <a:t>마스터 제목 스타일 편집</a:t>
             </a:r>
-            <a:endParaRPr lang="ko-KR" altLang="en-US"/>
           </a:p>
         </p:txBody>
       </p:sp>
@@ -731,38 +724,37 @@
           <a:p>
             <a:pPr lvl="0"/>
             <a:r>
-              <a:rPr lang="ko-KR" altLang="en-US" smtClean="0"/>
+              <a:rPr lang="ko-KR" altLang="en-US"/>
               <a:t>마스터 텍스트 스타일을 편집합니다</a:t>
             </a:r>
           </a:p>
           <a:p>
             <a:pPr lvl="1"/>
             <a:r>
-              <a:rPr lang="ko-KR" altLang="en-US" smtClean="0"/>
+              <a:rPr lang="ko-KR" altLang="en-US"/>
               <a:t>둘째 수준</a:t>
             </a:r>
           </a:p>
           <a:p>
             <a:pPr lvl="2"/>
             <a:r>
-              <a:rPr lang="ko-KR" altLang="en-US" smtClean="0"/>
+              <a:rPr lang="ko-KR" altLang="en-US"/>
               <a:t>셋째 수준</a:t>
             </a:r>
           </a:p>
           <a:p>
             <a:pPr lvl="3"/>
             <a:r>
-              <a:rPr lang="ko-KR" altLang="en-US" smtClean="0"/>
+              <a:rPr lang="ko-KR" altLang="en-US"/>
               <a:t>넷째 수준</a:t>
             </a:r>
           </a:p>
           <a:p>
             <a:pPr lvl="4"/>
             <a:r>
-              <a:rPr lang="ko-KR" altLang="en-US" smtClean="0"/>
+              <a:rPr lang="ko-KR" altLang="en-US"/>
               <a:t>다섯째 수준</a:t>
             </a:r>
-            <a:endParaRPr lang="ko-KR" altLang="en-US"/>
           </a:p>
         </p:txBody>
       </p:sp>
@@ -784,7 +776,7 @@
             <a:fld id="{E0C64F5E-737F-4F6B-9F15-DAA8DB3BF429}" type="datetimeFigureOut">
               <a:rPr lang="ko-KR" altLang="en-US" smtClean="0"/>
               <a:pPr/>
-              <a:t>2020-02-28</a:t>
+              <a:t>2020-03-01</a:t>
             </a:fld>
             <a:endParaRPr lang="ko-KR" altLang="en-US"/>
           </a:p>
@@ -888,10 +880,9 @@
           </a:lstStyle>
           <a:p>
             <a:r>
-              <a:rPr lang="ko-KR" altLang="en-US" smtClean="0"/>
+              <a:rPr lang="ko-KR" altLang="en-US"/>
               <a:t>마스터 제목 스타일 편집</a:t>
             </a:r>
-            <a:endParaRPr lang="ko-KR" altLang="en-US"/>
           </a:p>
         </p:txBody>
       </p:sp>
@@ -1008,7 +999,7 @@
           <a:p>
             <a:pPr lvl="0"/>
             <a:r>
-              <a:rPr lang="ko-KR" altLang="en-US" smtClean="0"/>
+              <a:rPr lang="ko-KR" altLang="en-US"/>
               <a:t>마스터 텍스트 스타일을 편집합니다</a:t>
             </a:r>
           </a:p>
@@ -1032,7 +1023,7 @@
             <a:fld id="{E0C64F5E-737F-4F6B-9F15-DAA8DB3BF429}" type="datetimeFigureOut">
               <a:rPr lang="ko-KR" altLang="en-US" smtClean="0"/>
               <a:pPr/>
-              <a:t>2020-02-28</a:t>
+              <a:t>2020-03-01</a:t>
             </a:fld>
             <a:endParaRPr lang="ko-KR" altLang="en-US"/>
           </a:p>
@@ -1127,10 +1118,9 @@
           <a:lstStyle/>
           <a:p>
             <a:r>
-              <a:rPr lang="ko-KR" altLang="en-US" smtClean="0"/>
+              <a:rPr lang="ko-KR" altLang="en-US"/>
               <a:t>마스터 제목 스타일 편집</a:t>
             </a:r>
-            <a:endParaRPr lang="ko-KR" altLang="en-US"/>
           </a:p>
         </p:txBody>
       </p:sp>
@@ -1156,38 +1146,37 @@
           <a:p>
             <a:pPr lvl="0"/>
             <a:r>
-              <a:rPr lang="ko-KR" altLang="en-US" smtClean="0"/>
+              <a:rPr lang="ko-KR" altLang="en-US"/>
               <a:t>마스터 텍스트 스타일을 편집합니다</a:t>
             </a:r>
           </a:p>
           <a:p>
             <a:pPr lvl="1"/>
             <a:r>
-              <a:rPr lang="ko-KR" altLang="en-US" smtClean="0"/>
+              <a:rPr lang="ko-KR" altLang="en-US"/>
               <a:t>둘째 수준</a:t>
             </a:r>
           </a:p>
           <a:p>
             <a:pPr lvl="2"/>
             <a:r>
-              <a:rPr lang="ko-KR" altLang="en-US" smtClean="0"/>
+              <a:rPr lang="ko-KR" altLang="en-US"/>
               <a:t>셋째 수준</a:t>
             </a:r>
           </a:p>
           <a:p>
             <a:pPr lvl="3"/>
             <a:r>
-              <a:rPr lang="ko-KR" altLang="en-US" smtClean="0"/>
+              <a:rPr lang="ko-KR" altLang="en-US"/>
               <a:t>넷째 수준</a:t>
             </a:r>
           </a:p>
           <a:p>
             <a:pPr lvl="4"/>
             <a:r>
-              <a:rPr lang="ko-KR" altLang="en-US" smtClean="0"/>
+              <a:rPr lang="ko-KR" altLang="en-US"/>
               <a:t>다섯째 수준</a:t>
             </a:r>
-            <a:endParaRPr lang="ko-KR" altLang="en-US"/>
           </a:p>
         </p:txBody>
       </p:sp>
@@ -1213,38 +1202,37 @@
           <a:p>
             <a:pPr lvl="0"/>
             <a:r>
-              <a:rPr lang="ko-KR" altLang="en-US" smtClean="0"/>
+              <a:rPr lang="ko-KR" altLang="en-US"/>
               <a:t>마스터 텍스트 스타일을 편집합니다</a:t>
             </a:r>
           </a:p>
           <a:p>
             <a:pPr lvl="1"/>
             <a:r>
-              <a:rPr lang="ko-KR" altLang="en-US" smtClean="0"/>
+              <a:rPr lang="ko-KR" altLang="en-US"/>
               <a:t>둘째 수준</a:t>
             </a:r>
           </a:p>
           <a:p>
             <a:pPr lvl="2"/>
             <a:r>
-              <a:rPr lang="ko-KR" altLang="en-US" smtClean="0"/>
+              <a:rPr lang="ko-KR" altLang="en-US"/>
               <a:t>셋째 수준</a:t>
             </a:r>
           </a:p>
           <a:p>
             <a:pPr lvl="3"/>
             <a:r>
-              <a:rPr lang="ko-KR" altLang="en-US" smtClean="0"/>
+              <a:rPr lang="ko-KR" altLang="en-US"/>
               <a:t>넷째 수준</a:t>
             </a:r>
           </a:p>
           <a:p>
             <a:pPr lvl="4"/>
             <a:r>
-              <a:rPr lang="ko-KR" altLang="en-US" smtClean="0"/>
+              <a:rPr lang="ko-KR" altLang="en-US"/>
               <a:t>다섯째 수준</a:t>
             </a:r>
-            <a:endParaRPr lang="ko-KR" altLang="en-US"/>
           </a:p>
         </p:txBody>
       </p:sp>
@@ -1266,7 +1254,7 @@
             <a:fld id="{E0C64F5E-737F-4F6B-9F15-DAA8DB3BF429}" type="datetimeFigureOut">
               <a:rPr lang="ko-KR" altLang="en-US" smtClean="0"/>
               <a:pPr/>
-              <a:t>2020-02-28</a:t>
+              <a:t>2020-03-01</a:t>
             </a:fld>
             <a:endParaRPr lang="ko-KR" altLang="en-US"/>
           </a:p>
@@ -1366,10 +1354,9 @@
           <a:lstStyle/>
           <a:p>
             <a:r>
-              <a:rPr lang="ko-KR" altLang="en-US" smtClean="0"/>
+              <a:rPr lang="ko-KR" altLang="en-US"/>
               <a:t>마스터 제목 스타일 편집</a:t>
             </a:r>
-            <a:endParaRPr lang="ko-KR" altLang="en-US"/>
           </a:p>
         </p:txBody>
       </p:sp>
@@ -1432,7 +1419,7 @@
           <a:p>
             <a:pPr lvl="0"/>
             <a:r>
-              <a:rPr lang="ko-KR" altLang="en-US" smtClean="0"/>
+              <a:rPr lang="ko-KR" altLang="en-US"/>
               <a:t>마스터 텍스트 스타일을 편집합니다</a:t>
             </a:r>
           </a:p>
@@ -1460,38 +1447,37 @@
           <a:p>
             <a:pPr lvl="0"/>
             <a:r>
-              <a:rPr lang="ko-KR" altLang="en-US" smtClean="0"/>
+              <a:rPr lang="ko-KR" altLang="en-US"/>
               <a:t>마스터 텍스트 스타일을 편집합니다</a:t>
             </a:r>
           </a:p>
           <a:p>
             <a:pPr lvl="1"/>
             <a:r>
-              <a:rPr lang="ko-KR" altLang="en-US" smtClean="0"/>
+              <a:rPr lang="ko-KR" altLang="en-US"/>
               <a:t>둘째 수준</a:t>
             </a:r>
           </a:p>
           <a:p>
             <a:pPr lvl="2"/>
             <a:r>
-              <a:rPr lang="ko-KR" altLang="en-US" smtClean="0"/>
+              <a:rPr lang="ko-KR" altLang="en-US"/>
               <a:t>셋째 수준</a:t>
             </a:r>
           </a:p>
           <a:p>
             <a:pPr lvl="3"/>
             <a:r>
-              <a:rPr lang="ko-KR" altLang="en-US" smtClean="0"/>
+              <a:rPr lang="ko-KR" altLang="en-US"/>
               <a:t>넷째 수준</a:t>
             </a:r>
           </a:p>
           <a:p>
             <a:pPr lvl="4"/>
             <a:r>
-              <a:rPr lang="ko-KR" altLang="en-US" smtClean="0"/>
+              <a:rPr lang="ko-KR" altLang="en-US"/>
               <a:t>다섯째 수준</a:t>
             </a:r>
-            <a:endParaRPr lang="ko-KR" altLang="en-US"/>
           </a:p>
         </p:txBody>
       </p:sp>
@@ -1554,7 +1540,7 @@
           <a:p>
             <a:pPr lvl="0"/>
             <a:r>
-              <a:rPr lang="ko-KR" altLang="en-US" smtClean="0"/>
+              <a:rPr lang="ko-KR" altLang="en-US"/>
               <a:t>마스터 텍스트 스타일을 편집합니다</a:t>
             </a:r>
           </a:p>
@@ -1582,38 +1568,37 @@
           <a:p>
             <a:pPr lvl="0"/>
             <a:r>
-              <a:rPr lang="ko-KR" altLang="en-US" smtClean="0"/>
+              <a:rPr lang="ko-KR" altLang="en-US"/>
               <a:t>마스터 텍스트 스타일을 편집합니다</a:t>
             </a:r>
           </a:p>
           <a:p>
             <a:pPr lvl="1"/>
             <a:r>
-              <a:rPr lang="ko-KR" altLang="en-US" smtClean="0"/>
+              <a:rPr lang="ko-KR" altLang="en-US"/>
               <a:t>둘째 수준</a:t>
             </a:r>
           </a:p>
           <a:p>
             <a:pPr lvl="2"/>
             <a:r>
-              <a:rPr lang="ko-KR" altLang="en-US" smtClean="0"/>
+              <a:rPr lang="ko-KR" altLang="en-US"/>
               <a:t>셋째 수준</a:t>
             </a:r>
           </a:p>
           <a:p>
             <a:pPr lvl="3"/>
             <a:r>
-              <a:rPr lang="ko-KR" altLang="en-US" smtClean="0"/>
+              <a:rPr lang="ko-KR" altLang="en-US"/>
               <a:t>넷째 수준</a:t>
             </a:r>
           </a:p>
           <a:p>
             <a:pPr lvl="4"/>
             <a:r>
-              <a:rPr lang="ko-KR" altLang="en-US" smtClean="0"/>
+              <a:rPr lang="ko-KR" altLang="en-US"/>
               <a:t>다섯째 수준</a:t>
             </a:r>
-            <a:endParaRPr lang="ko-KR" altLang="en-US"/>
           </a:p>
         </p:txBody>
       </p:sp>
@@ -1635,7 +1620,7 @@
             <a:fld id="{E0C64F5E-737F-4F6B-9F15-DAA8DB3BF429}" type="datetimeFigureOut">
               <a:rPr lang="ko-KR" altLang="en-US" smtClean="0"/>
               <a:pPr/>
-              <a:t>2020-02-28</a:t>
+              <a:t>2020-03-01</a:t>
             </a:fld>
             <a:endParaRPr lang="ko-KR" altLang="en-US"/>
           </a:p>
@@ -1730,10 +1715,9 @@
           <a:lstStyle/>
           <a:p>
             <a:r>
-              <a:rPr lang="ko-KR" altLang="en-US" smtClean="0"/>
+              <a:rPr lang="ko-KR" altLang="en-US"/>
               <a:t>마스터 제목 스타일 편집</a:t>
             </a:r>
-            <a:endParaRPr lang="ko-KR" altLang="en-US"/>
           </a:p>
         </p:txBody>
       </p:sp>
@@ -1755,7 +1739,7 @@
             <a:fld id="{E0C64F5E-737F-4F6B-9F15-DAA8DB3BF429}" type="datetimeFigureOut">
               <a:rPr lang="ko-KR" altLang="en-US" smtClean="0"/>
               <a:pPr/>
-              <a:t>2020-02-28</a:t>
+              <a:t>2020-03-01</a:t>
             </a:fld>
             <a:endParaRPr lang="ko-KR" altLang="en-US"/>
           </a:p>
@@ -1852,7 +1836,7 @@
             <a:fld id="{E0C64F5E-737F-4F6B-9F15-DAA8DB3BF429}" type="datetimeFigureOut">
               <a:rPr lang="ko-KR" altLang="en-US" smtClean="0"/>
               <a:pPr/>
-              <a:t>2020-02-28</a:t>
+              <a:t>2020-03-01</a:t>
             </a:fld>
             <a:endParaRPr lang="ko-KR" altLang="en-US"/>
           </a:p>
@@ -1956,10 +1940,9 @@
           </a:lstStyle>
           <a:p>
             <a:r>
-              <a:rPr lang="ko-KR" altLang="en-US" smtClean="0"/>
+              <a:rPr lang="ko-KR" altLang="en-US"/>
               <a:t>마스터 제목 스타일 편집</a:t>
             </a:r>
-            <a:endParaRPr lang="ko-KR" altLang="en-US"/>
           </a:p>
         </p:txBody>
       </p:sp>
@@ -2013,38 +1996,37 @@
           <a:p>
             <a:pPr lvl="0"/>
             <a:r>
-              <a:rPr lang="ko-KR" altLang="en-US" smtClean="0"/>
+              <a:rPr lang="ko-KR" altLang="en-US"/>
               <a:t>마스터 텍스트 스타일을 편집합니다</a:t>
             </a:r>
           </a:p>
           <a:p>
             <a:pPr lvl="1"/>
             <a:r>
-              <a:rPr lang="ko-KR" altLang="en-US" smtClean="0"/>
+              <a:rPr lang="ko-KR" altLang="en-US"/>
               <a:t>둘째 수준</a:t>
             </a:r>
           </a:p>
           <a:p>
             <a:pPr lvl="2"/>
             <a:r>
-              <a:rPr lang="ko-KR" altLang="en-US" smtClean="0"/>
+              <a:rPr lang="ko-KR" altLang="en-US"/>
               <a:t>셋째 수준</a:t>
             </a:r>
           </a:p>
           <a:p>
             <a:pPr lvl="3"/>
             <a:r>
-              <a:rPr lang="ko-KR" altLang="en-US" smtClean="0"/>
+              <a:rPr lang="ko-KR" altLang="en-US"/>
               <a:t>넷째 수준</a:t>
             </a:r>
           </a:p>
           <a:p>
             <a:pPr lvl="4"/>
             <a:r>
-              <a:rPr lang="ko-KR" altLang="en-US" smtClean="0"/>
+              <a:rPr lang="ko-KR" altLang="en-US"/>
               <a:t>다섯째 수준</a:t>
             </a:r>
-            <a:endParaRPr lang="ko-KR" altLang="en-US"/>
           </a:p>
         </p:txBody>
       </p:sp>
@@ -2107,7 +2089,7 @@
           <a:p>
             <a:pPr lvl="0"/>
             <a:r>
-              <a:rPr lang="ko-KR" altLang="en-US" smtClean="0"/>
+              <a:rPr lang="ko-KR" altLang="en-US"/>
               <a:t>마스터 텍스트 스타일을 편집합니다</a:t>
             </a:r>
           </a:p>
@@ -2131,7 +2113,7 @@
             <a:fld id="{E0C64F5E-737F-4F6B-9F15-DAA8DB3BF429}" type="datetimeFigureOut">
               <a:rPr lang="ko-KR" altLang="en-US" smtClean="0"/>
               <a:pPr/>
-              <a:t>2020-02-28</a:t>
+              <a:t>2020-03-01</a:t>
             </a:fld>
             <a:endParaRPr lang="ko-KR" altLang="en-US"/>
           </a:p>
@@ -2235,10 +2217,9 @@
           </a:lstStyle>
           <a:p>
             <a:r>
-              <a:rPr lang="ko-KR" altLang="en-US" smtClean="0"/>
+              <a:rPr lang="ko-KR" altLang="en-US"/>
               <a:t>마스터 제목 스타일 편집</a:t>
             </a:r>
-            <a:endParaRPr lang="ko-KR" altLang="en-US"/>
           </a:p>
         </p:txBody>
       </p:sp>
@@ -2362,7 +2343,7 @@
           <a:p>
             <a:pPr lvl="0"/>
             <a:r>
-              <a:rPr lang="ko-KR" altLang="en-US" smtClean="0"/>
+              <a:rPr lang="ko-KR" altLang="en-US"/>
               <a:t>마스터 텍스트 스타일을 편집합니다</a:t>
             </a:r>
           </a:p>
@@ -2386,7 +2367,7 @@
             <a:fld id="{E0C64F5E-737F-4F6B-9F15-DAA8DB3BF429}" type="datetimeFigureOut">
               <a:rPr lang="ko-KR" altLang="en-US" smtClean="0"/>
               <a:pPr/>
-              <a:t>2020-02-28</a:t>
+              <a:t>2020-03-01</a:t>
             </a:fld>
             <a:endParaRPr lang="ko-KR" altLang="en-US"/>
           </a:p>
@@ -2496,10 +2477,9 @@
           <a:lstStyle/>
           <a:p>
             <a:r>
-              <a:rPr lang="ko-KR" altLang="en-US" smtClean="0"/>
+              <a:rPr lang="ko-KR" altLang="en-US"/>
               <a:t>마스터 제목 스타일 편집</a:t>
             </a:r>
-            <a:endParaRPr lang="ko-KR" altLang="en-US"/>
           </a:p>
         </p:txBody>
       </p:sp>
@@ -2530,38 +2510,37 @@
           <a:p>
             <a:pPr lvl="0"/>
             <a:r>
-              <a:rPr lang="ko-KR" altLang="en-US" smtClean="0"/>
+              <a:rPr lang="ko-KR" altLang="en-US"/>
               <a:t>마스터 텍스트 스타일을 편집합니다</a:t>
             </a:r>
           </a:p>
           <a:p>
             <a:pPr lvl="1"/>
             <a:r>
-              <a:rPr lang="ko-KR" altLang="en-US" smtClean="0"/>
+              <a:rPr lang="ko-KR" altLang="en-US"/>
               <a:t>둘째 수준</a:t>
             </a:r>
           </a:p>
           <a:p>
             <a:pPr lvl="2"/>
             <a:r>
-              <a:rPr lang="ko-KR" altLang="en-US" smtClean="0"/>
+              <a:rPr lang="ko-KR" altLang="en-US"/>
               <a:t>셋째 수준</a:t>
             </a:r>
           </a:p>
           <a:p>
             <a:pPr lvl="3"/>
             <a:r>
-              <a:rPr lang="ko-KR" altLang="en-US" smtClean="0"/>
+              <a:rPr lang="ko-KR" altLang="en-US"/>
               <a:t>넷째 수준</a:t>
             </a:r>
           </a:p>
           <a:p>
             <a:pPr lvl="4"/>
             <a:r>
-              <a:rPr lang="ko-KR" altLang="en-US" smtClean="0"/>
+              <a:rPr lang="ko-KR" altLang="en-US"/>
               <a:t>다섯째 수준</a:t>
             </a:r>
-            <a:endParaRPr lang="ko-KR" altLang="en-US"/>
           </a:p>
         </p:txBody>
       </p:sp>
@@ -2601,7 +2580,7 @@
             <a:fld id="{E0C64F5E-737F-4F6B-9F15-DAA8DB3BF429}" type="datetimeFigureOut">
               <a:rPr lang="ko-KR" altLang="en-US" smtClean="0"/>
               <a:pPr/>
-              <a:t>2020-02-28</a:t>
+              <a:t>2020-03-01</a:t>
             </a:fld>
             <a:endParaRPr lang="ko-KR" altLang="en-US"/>
           </a:p>
@@ -3023,7 +3002,7 @@
           <a:lstStyle/>
           <a:p>
             <a:r>
-              <a:rPr lang="en-US" altLang="ko-KR" dirty="0" smtClean="0"/>
+              <a:rPr lang="en-US" altLang="ko-KR" dirty="0"/>
               <a:t>EZEN CROWD FUNDING</a:t>
             </a:r>
             <a:endParaRPr lang="ko-KR" altLang="en-US" dirty="0"/>
@@ -3046,10 +3025,9 @@
           <a:lstStyle/>
           <a:p>
             <a:r>
-              <a:rPr lang="ko-KR" altLang="en-US" dirty="0" smtClean="0"/>
+              <a:rPr lang="ko-KR" altLang="en-US" dirty="0"/>
               <a:t>기능 정리</a:t>
             </a:r>
-            <a:endParaRPr lang="ko-KR" altLang="en-US" dirty="0"/>
           </a:p>
         </p:txBody>
       </p:sp>
@@ -3099,10 +3077,9 @@
           <a:lstStyle/>
           <a:p>
             <a:r>
-              <a:rPr lang="ko-KR" altLang="en-US" dirty="0" smtClean="0"/>
+              <a:rPr lang="ko-KR" altLang="en-US" dirty="0"/>
               <a:t>사용자 기능</a:t>
             </a:r>
-            <a:endParaRPr lang="ko-KR" altLang="en-US" dirty="0"/>
           </a:p>
         </p:txBody>
       </p:sp>
@@ -3116,24 +3093,449 @@
             <p:ph idx="1"/>
           </p:nvPr>
         </p:nvSpPr>
-        <p:spPr/>
-        <p:txBody>
-          <a:bodyPr/>
+        <p:spPr>
+          <a:xfrm>
+            <a:off x="838200" y="1825625"/>
+            <a:ext cx="10515600" cy="4667250"/>
+          </a:xfrm>
+        </p:spPr>
+        <p:txBody>
+          <a:bodyPr>
+            <a:normAutofit fontScale="62500" lnSpcReduction="20000"/>
+          </a:bodyPr>
           <a:lstStyle/>
           <a:p>
             <a:pPr>
               <a:buNone/>
             </a:pPr>
-            <a:endParaRPr lang="en-US" altLang="ko-KR" dirty="0" smtClean="0"/>
-          </a:p>
-          <a:p>
-            <a:endParaRPr lang="en-US" altLang="ko-KR" dirty="0" smtClean="0"/>
-          </a:p>
-          <a:p>
-            <a:endParaRPr lang="en-US" altLang="ko-KR" dirty="0" smtClean="0"/>
-          </a:p>
-          <a:p>
-            <a:endParaRPr lang="en-US" altLang="ko-KR" dirty="0" smtClean="0"/>
+            <a:endParaRPr lang="en-US" altLang="ko-KR" dirty="0"/>
+          </a:p>
+          <a:p>
+            <a:r>
+              <a:rPr lang="ko-KR" altLang="en-US" dirty="0"/>
+              <a:t>메인페이지 </a:t>
+            </a:r>
+            <a:r>
+              <a:rPr lang="en-US" altLang="ko-KR" dirty="0"/>
+              <a:t>: </a:t>
+            </a:r>
+            <a:r>
+              <a:rPr lang="ko-KR" altLang="en-US" dirty="0"/>
+              <a:t>최근 본 상품</a:t>
+            </a:r>
+            <a:r>
+              <a:rPr lang="en-US" altLang="ko-KR" dirty="0"/>
+              <a:t>, </a:t>
+            </a:r>
+            <a:r>
+              <a:rPr lang="ko-KR" altLang="en-US" dirty="0"/>
+              <a:t>찜한 상품</a:t>
+            </a:r>
+            <a:r>
+              <a:rPr lang="en-US" altLang="ko-KR" dirty="0"/>
+              <a:t>, </a:t>
+            </a:r>
+            <a:r>
+              <a:rPr lang="ko-KR" altLang="en-US" dirty="0"/>
+              <a:t>최근본상품</a:t>
+            </a:r>
+            <a:r>
+              <a:rPr lang="en-US" altLang="ko-KR" dirty="0"/>
+              <a:t>, </a:t>
+            </a:r>
+            <a:r>
+              <a:rPr lang="ko-KR" altLang="en-US" dirty="0"/>
+              <a:t>찜한상품</a:t>
+            </a:r>
+            <a:r>
+              <a:rPr lang="en-US" altLang="ko-KR" dirty="0"/>
+              <a:t>, </a:t>
+            </a:r>
+            <a:r>
+              <a:rPr lang="ko-KR" altLang="en-US" dirty="0"/>
+              <a:t>상품 이미지 소개글</a:t>
+            </a:r>
+          </a:p>
+          <a:p>
+            <a:r>
+              <a:rPr lang="ko-KR" altLang="en-US" dirty="0"/>
+              <a:t>배너</a:t>
+            </a:r>
+            <a:r>
+              <a:rPr lang="en-US" altLang="ko-KR" dirty="0"/>
+              <a:t>, </a:t>
+            </a:r>
+            <a:r>
+              <a:rPr lang="ko-KR" altLang="en-US" dirty="0"/>
+              <a:t>광고</a:t>
+            </a:r>
+            <a:r>
+              <a:rPr lang="en-US" altLang="ko-KR" dirty="0"/>
+              <a:t>, </a:t>
+            </a:r>
+            <a:r>
+              <a:rPr lang="ko-KR" altLang="en-US" dirty="0"/>
+              <a:t>팝업</a:t>
+            </a:r>
+            <a:endParaRPr lang="en-US" altLang="ko-KR" dirty="0"/>
+          </a:p>
+          <a:p>
+            <a:r>
+              <a:rPr lang="ko-KR" altLang="en-US" dirty="0"/>
+              <a:t>로그인 </a:t>
+            </a:r>
+            <a:r>
+              <a:rPr lang="en-US" altLang="ko-KR" dirty="0"/>
+              <a:t>: </a:t>
+            </a:r>
+            <a:r>
+              <a:rPr lang="ko-KR" altLang="en-US" dirty="0"/>
+              <a:t>카카오톡</a:t>
+            </a:r>
+            <a:r>
+              <a:rPr lang="en-US" altLang="ko-KR" dirty="0"/>
+              <a:t>, </a:t>
+            </a:r>
+            <a:r>
+              <a:rPr lang="ko-KR" altLang="en-US" dirty="0"/>
+              <a:t>페이스북</a:t>
+            </a:r>
+            <a:r>
+              <a:rPr lang="en-US" altLang="ko-KR" dirty="0"/>
+              <a:t>, </a:t>
+            </a:r>
+            <a:r>
+              <a:rPr lang="ko-KR" altLang="en-US" dirty="0"/>
+              <a:t>구글 소셜 로그인</a:t>
+            </a:r>
+            <a:endParaRPr lang="en-US" altLang="ko-KR" dirty="0"/>
+          </a:p>
+          <a:p>
+            <a:r>
+              <a:rPr lang="ko-KR" altLang="en-US" dirty="0"/>
+              <a:t>회원가입 </a:t>
+            </a:r>
+            <a:r>
+              <a:rPr lang="en-US" altLang="ko-KR" dirty="0"/>
+              <a:t>: </a:t>
+            </a:r>
+            <a:r>
+              <a:rPr lang="ko-KR" altLang="en-US" dirty="0"/>
+              <a:t>카카오톡</a:t>
+            </a:r>
+            <a:r>
+              <a:rPr lang="en-US" altLang="ko-KR" dirty="0"/>
+              <a:t>, </a:t>
+            </a:r>
+            <a:r>
+              <a:rPr lang="ko-KR" altLang="en-US" dirty="0"/>
+              <a:t>페이스북</a:t>
+            </a:r>
+            <a:r>
+              <a:rPr lang="en-US" altLang="ko-KR" dirty="0"/>
+              <a:t>, </a:t>
+            </a:r>
+            <a:r>
+              <a:rPr lang="ko-KR" altLang="en-US" dirty="0"/>
+              <a:t>구글 소셜 로그인</a:t>
+            </a:r>
+            <a:endParaRPr lang="en-US" altLang="ko-KR" dirty="0"/>
+          </a:p>
+          <a:p>
+            <a:r>
+              <a:rPr lang="ko-KR" altLang="en-US" dirty="0"/>
+              <a:t>내상점관리 </a:t>
+            </a:r>
+            <a:r>
+              <a:rPr lang="en-US" altLang="ko-KR" dirty="0"/>
+              <a:t>: </a:t>
+            </a:r>
+            <a:r>
+              <a:rPr lang="ko-KR" altLang="en-US" dirty="0"/>
+              <a:t>문의 댓글 및 판매자 답변</a:t>
+            </a:r>
+            <a:r>
+              <a:rPr lang="en-US" altLang="ko-KR" dirty="0"/>
+              <a:t>, </a:t>
+            </a:r>
+            <a:r>
+              <a:rPr lang="ko-KR" altLang="en-US" dirty="0"/>
+              <a:t>방문자 수</a:t>
+            </a:r>
+            <a:r>
+              <a:rPr lang="en-US" altLang="ko-KR" dirty="0"/>
+              <a:t>, </a:t>
+            </a:r>
+            <a:r>
+              <a:rPr lang="ko-KR" altLang="en-US" dirty="0"/>
+              <a:t>상품 목록</a:t>
+            </a:r>
+            <a:r>
+              <a:rPr lang="en-US" altLang="ko-KR" dirty="0"/>
+              <a:t>, </a:t>
+            </a:r>
+            <a:r>
+              <a:rPr lang="ko-KR" altLang="en-US" dirty="0"/>
+              <a:t>팔로잉</a:t>
+            </a:r>
+            <a:r>
+              <a:rPr lang="en-US" altLang="ko-KR" dirty="0"/>
+              <a:t>, </a:t>
+            </a:r>
+            <a:r>
+              <a:rPr lang="ko-KR" altLang="en-US" dirty="0"/>
+              <a:t>팔로워 문의 댓글</a:t>
+            </a:r>
+            <a:endParaRPr lang="en-US" altLang="ko-KR" dirty="0"/>
+          </a:p>
+          <a:p>
+            <a:pPr marL="0" indent="0">
+              <a:buNone/>
+            </a:pPr>
+            <a:r>
+              <a:rPr lang="ko-KR" altLang="en-US" dirty="0"/>
+              <a:t>이 달리거나 팔로워가 생겼을때 알림</a:t>
+            </a:r>
+            <a:endParaRPr lang="en-US" altLang="ko-KR" dirty="0"/>
+          </a:p>
+          <a:p>
+            <a:r>
+              <a:rPr lang="en-US" altLang="ko-KR" dirty="0"/>
+              <a:t>1:1</a:t>
+            </a:r>
+            <a:r>
+              <a:rPr lang="ko-KR" altLang="en-US" dirty="0"/>
+              <a:t>채팅 </a:t>
+            </a:r>
+            <a:r>
+              <a:rPr lang="en-US" altLang="ko-KR" dirty="0"/>
+              <a:t>: </a:t>
+            </a:r>
+            <a:r>
+              <a:rPr lang="ko-KR" altLang="en-US" dirty="0"/>
+              <a:t>판매유저와 구매유저간 </a:t>
+            </a:r>
+            <a:r>
+              <a:rPr lang="en-US" altLang="ko-KR" dirty="0"/>
+              <a:t>1:1 </a:t>
+            </a:r>
+            <a:r>
+              <a:rPr lang="ko-KR" altLang="en-US" dirty="0"/>
+              <a:t>채팅 기능</a:t>
+            </a:r>
+            <a:endParaRPr lang="en-US" altLang="ko-KR" dirty="0"/>
+          </a:p>
+          <a:p>
+            <a:r>
+              <a:rPr lang="ko-KR" altLang="en-US" dirty="0"/>
+              <a:t>상품올리기 </a:t>
+            </a:r>
+            <a:r>
+              <a:rPr lang="en-US" altLang="ko-KR" dirty="0"/>
+              <a:t>: </a:t>
+            </a:r>
+            <a:r>
+              <a:rPr lang="ko-KR" altLang="en-US" dirty="0"/>
+              <a:t>이미지</a:t>
+            </a:r>
+            <a:r>
+              <a:rPr lang="en-US" altLang="ko-KR" dirty="0"/>
+              <a:t>, </a:t>
+            </a:r>
+            <a:r>
+              <a:rPr lang="ko-KR" altLang="en-US" dirty="0"/>
+              <a:t>제목</a:t>
+            </a:r>
+            <a:r>
+              <a:rPr lang="en-US" altLang="ko-KR" dirty="0"/>
+              <a:t>, </a:t>
+            </a:r>
+            <a:r>
+              <a:rPr lang="ko-KR" altLang="en-US" dirty="0"/>
+              <a:t>거래방법</a:t>
+            </a:r>
+            <a:r>
+              <a:rPr lang="en-US" altLang="ko-KR" dirty="0"/>
+              <a:t>(</a:t>
+            </a:r>
+            <a:r>
+              <a:rPr lang="ko-KR" altLang="en-US" dirty="0"/>
+              <a:t>택배</a:t>
+            </a:r>
+            <a:r>
+              <a:rPr lang="en-US" altLang="ko-KR" dirty="0"/>
+              <a:t>, </a:t>
+            </a:r>
+            <a:r>
+              <a:rPr lang="ko-KR" altLang="en-US" dirty="0"/>
+              <a:t>직거래</a:t>
+            </a:r>
+            <a:r>
+              <a:rPr lang="en-US" altLang="ko-KR" dirty="0"/>
+              <a:t>), </a:t>
+            </a:r>
+            <a:r>
+              <a:rPr lang="ko-KR" altLang="en-US" dirty="0"/>
+              <a:t>직거래시 거래지역</a:t>
+            </a:r>
+            <a:r>
+              <a:rPr lang="en-US" altLang="ko-KR" dirty="0"/>
+              <a:t>, </a:t>
+            </a:r>
+            <a:r>
+              <a:rPr lang="ko-KR" altLang="en-US" dirty="0"/>
+              <a:t>가격</a:t>
+            </a:r>
+            <a:r>
+              <a:rPr lang="en-US" altLang="ko-KR" dirty="0"/>
+              <a:t>, </a:t>
+            </a:r>
+            <a:r>
+              <a:rPr lang="ko-KR" altLang="en-US" dirty="0"/>
+              <a:t>설</a:t>
+            </a:r>
+            <a:endParaRPr lang="en-US" altLang="ko-KR" dirty="0"/>
+          </a:p>
+          <a:p>
+            <a:pPr marL="0" indent="0">
+              <a:buNone/>
+            </a:pPr>
+            <a:r>
+              <a:rPr lang="ko-KR" altLang="en-US" dirty="0"/>
+              <a:t>명</a:t>
+            </a:r>
+            <a:r>
+              <a:rPr lang="en-US" altLang="ko-KR" dirty="0"/>
+              <a:t>, </a:t>
+            </a:r>
+            <a:r>
+              <a:rPr lang="ko-KR" altLang="en-US" dirty="0"/>
+              <a:t>수량</a:t>
+            </a:r>
+            <a:endParaRPr lang="en-US" altLang="ko-KR" dirty="0"/>
+          </a:p>
+          <a:p>
+            <a:r>
+              <a:rPr lang="ko-KR" altLang="en-US" dirty="0"/>
+              <a:t>카테고리 </a:t>
+            </a:r>
+            <a:r>
+              <a:rPr lang="en-US" altLang="ko-KR" dirty="0"/>
+              <a:t>: </a:t>
+            </a:r>
+            <a:r>
+              <a:rPr lang="ko-KR" altLang="en-US" dirty="0"/>
+              <a:t>생활용품 </a:t>
+            </a:r>
+            <a:r>
+              <a:rPr lang="en-US" altLang="ko-KR" dirty="0"/>
+              <a:t>(ex. </a:t>
+            </a:r>
+            <a:r>
+              <a:rPr lang="ko-KR" altLang="en-US" dirty="0"/>
+              <a:t>공구세트</a:t>
+            </a:r>
+            <a:r>
+              <a:rPr lang="en-US" altLang="ko-KR" dirty="0"/>
+              <a:t>, </a:t>
+            </a:r>
+            <a:r>
+              <a:rPr lang="ko-KR" altLang="en-US" dirty="0"/>
+              <a:t>텐트</a:t>
+            </a:r>
+            <a:r>
+              <a:rPr lang="en-US" altLang="ko-KR" dirty="0"/>
+              <a:t>, </a:t>
+            </a:r>
+            <a:r>
+              <a:rPr lang="ko-KR" altLang="en-US" dirty="0"/>
+              <a:t>스키</a:t>
+            </a:r>
+            <a:r>
+              <a:rPr lang="en-US" altLang="ko-KR" dirty="0"/>
+              <a:t>, </a:t>
+            </a:r>
+            <a:r>
+              <a:rPr lang="ko-KR" altLang="en-US" dirty="0"/>
+              <a:t>아동용 장난감 또는 책 등</a:t>
+            </a:r>
+            <a:r>
+              <a:rPr lang="en-US" altLang="ko-KR" dirty="0"/>
+              <a:t>), </a:t>
+            </a:r>
+          </a:p>
+          <a:p>
+            <a:pPr marL="0" indent="0">
+              <a:buNone/>
+            </a:pPr>
+            <a:r>
+              <a:rPr lang="ko-KR" altLang="en-US" dirty="0"/>
+              <a:t>집 대여</a:t>
+            </a:r>
+            <a:r>
+              <a:rPr lang="en-US" altLang="ko-KR" dirty="0"/>
+              <a:t>,</a:t>
+            </a:r>
+            <a:r>
+              <a:rPr lang="ko-KR" altLang="en-US" dirty="0"/>
+              <a:t> 식품 </a:t>
+            </a:r>
+            <a:r>
+              <a:rPr lang="en-US" altLang="ko-KR" dirty="0"/>
+              <a:t>(ex. </a:t>
+            </a:r>
+            <a:r>
+              <a:rPr lang="ko-KR" altLang="en-US" dirty="0"/>
+              <a:t>외할머니한테 받은 감자 한박스 등</a:t>
+            </a:r>
+            <a:r>
+              <a:rPr lang="en-US" altLang="ko-KR" dirty="0"/>
+              <a:t>), </a:t>
+            </a:r>
+            <a:r>
+              <a:rPr lang="ko-KR" altLang="en-US" dirty="0"/>
+              <a:t>재능 </a:t>
+            </a:r>
+            <a:r>
+              <a:rPr lang="en-US" altLang="ko-KR" dirty="0"/>
+              <a:t>(ex. </a:t>
+            </a:r>
+            <a:r>
+              <a:rPr lang="ko-KR" altLang="en-US" dirty="0"/>
+              <a:t>컴퓨터 프</a:t>
+            </a:r>
+            <a:endParaRPr lang="en-US" altLang="ko-KR" dirty="0"/>
+          </a:p>
+          <a:p>
+            <a:pPr marL="0" indent="0">
+              <a:buNone/>
+            </a:pPr>
+            <a:r>
+              <a:rPr lang="ko-KR" altLang="en-US" dirty="0"/>
+              <a:t>로그램 설치해주세요</a:t>
+            </a:r>
+            <a:r>
+              <a:rPr lang="en-US" altLang="ko-KR" dirty="0"/>
+              <a:t>, </a:t>
+            </a:r>
+            <a:r>
+              <a:rPr lang="ko-KR" altLang="en-US" dirty="0"/>
+              <a:t>옷쇼핑 같이 가주세요</a:t>
+            </a:r>
+            <a:r>
+              <a:rPr lang="en-US" altLang="ko-KR" dirty="0"/>
+              <a:t>)</a:t>
+            </a:r>
+          </a:p>
+          <a:p>
+            <a:r>
+              <a:rPr lang="ko-KR" altLang="en-US" dirty="0"/>
+              <a:t>결제</a:t>
+            </a:r>
+            <a:endParaRPr lang="en-US" altLang="ko-KR" dirty="0"/>
+          </a:p>
+          <a:p>
+            <a:endParaRPr lang="en-US" altLang="ko-KR" dirty="0"/>
           </a:p>
         </p:txBody>
       </p:sp>
@@ -3183,10 +3585,9 @@
           <a:lstStyle/>
           <a:p>
             <a:r>
-              <a:rPr lang="ko-KR" altLang="en-US" dirty="0" smtClean="0"/>
+              <a:rPr lang="ko-KR" altLang="en-US" dirty="0"/>
               <a:t>관리자 기능</a:t>
             </a:r>
-            <a:endParaRPr lang="ko-KR" altLang="en-US" dirty="0"/>
           </a:p>
         </p:txBody>
       </p:sp>
@@ -3202,8 +3603,105 @@
         </p:nvSpPr>
         <p:spPr/>
         <p:txBody>
-          <a:bodyPr/>
-          <a:lstStyle/>
+          <a:bodyPr>
+            <a:normAutofit lnSpcReduction="10000"/>
+          </a:bodyPr>
+          <a:lstStyle/>
+          <a:p>
+            <a:r>
+              <a:rPr lang="ko-KR" altLang="en-US" dirty="0"/>
+              <a:t>회원관리</a:t>
+            </a:r>
+            <a:endParaRPr lang="en-US" altLang="ko-KR" dirty="0"/>
+          </a:p>
+          <a:p>
+            <a:r>
+              <a:rPr lang="ko-KR" altLang="en-US" dirty="0"/>
+              <a:t>메인화면관리</a:t>
+            </a:r>
+            <a:endParaRPr lang="en-US" altLang="ko-KR" dirty="0"/>
+          </a:p>
+          <a:p>
+            <a:r>
+              <a:rPr lang="ko-KR" altLang="en-US" dirty="0"/>
+              <a:t>카테고리관리</a:t>
+            </a:r>
+            <a:endParaRPr lang="en-US" altLang="ko-KR" dirty="0"/>
+          </a:p>
+          <a:p>
+            <a:r>
+              <a:rPr lang="ko-KR" altLang="en-US" dirty="0"/>
+              <a:t>상품목록관리</a:t>
+            </a:r>
+            <a:endParaRPr lang="en-US" altLang="ko-KR" dirty="0"/>
+          </a:p>
+          <a:p>
+            <a:r>
+              <a:rPr lang="ko-KR" altLang="en-US" dirty="0"/>
+              <a:t>개별유저알림 </a:t>
+            </a:r>
+            <a:r>
+              <a:rPr lang="en-US" altLang="ko-KR" dirty="0"/>
+              <a:t>: </a:t>
+            </a:r>
+            <a:r>
+              <a:rPr lang="ko-KR" altLang="en-US" dirty="0"/>
+              <a:t>개별 유저에게 경고</a:t>
+            </a:r>
+            <a:r>
+              <a:rPr lang="en-US" altLang="ko-KR" dirty="0"/>
+              <a:t>, </a:t>
+            </a:r>
+            <a:r>
+              <a:rPr lang="ko-KR" altLang="en-US" dirty="0"/>
+              <a:t>수정요청 알림 보내기</a:t>
+            </a:r>
+            <a:endParaRPr lang="en-US" altLang="ko-KR" dirty="0"/>
+          </a:p>
+          <a:p>
+            <a:r>
+              <a:rPr lang="ko-KR" altLang="en-US" dirty="0"/>
+              <a:t>공지사항관리</a:t>
+            </a:r>
+            <a:endParaRPr lang="en-US" altLang="ko-KR" dirty="0"/>
+          </a:p>
+          <a:p>
+            <a:r>
+              <a:rPr lang="en-US" altLang="ko-KR" dirty="0"/>
+              <a:t>FAQ</a:t>
+            </a:r>
+            <a:r>
+              <a:rPr lang="ko-KR" altLang="en-US" dirty="0"/>
+              <a:t>관리</a:t>
+            </a:r>
+            <a:endParaRPr lang="en-US" altLang="ko-KR" dirty="0"/>
+          </a:p>
+          <a:p>
+            <a:r>
+              <a:rPr lang="ko-KR" altLang="en-US" dirty="0"/>
+              <a:t>관리자 리스트 </a:t>
+            </a:r>
+            <a:r>
+              <a:rPr lang="en-US" altLang="ko-KR" dirty="0"/>
+              <a:t>: </a:t>
+            </a:r>
+            <a:r>
+              <a:rPr lang="ko-KR" altLang="en-US" dirty="0"/>
+              <a:t>관리자페이지 접속 가능 아이디 목록</a:t>
+            </a:r>
+            <a:r>
+              <a:rPr lang="en-US" altLang="ko-KR" dirty="0"/>
+              <a:t>(</a:t>
+            </a:r>
+            <a:r>
+              <a:rPr lang="ko-KR" altLang="en-US" dirty="0"/>
+              <a:t>특정 권한을 가진 관리자에게만 노출되는 탭 관리자 권한 관리</a:t>
+            </a:r>
+            <a:r>
+              <a:rPr lang="en-US" altLang="ko-KR" dirty="0"/>
+              <a:t>)</a:t>
+            </a:r>
+          </a:p>
           <a:p>
             <a:endParaRPr lang="ko-KR" altLang="en-US" dirty="0"/>
           </a:p>
@@ -3255,25 +3753,24 @@
           <a:lstStyle/>
           <a:p>
             <a:r>
-              <a:rPr lang="ko-KR" altLang="en-US" dirty="0" smtClean="0"/>
+              <a:rPr lang="ko-KR" altLang="en-US" dirty="0"/>
               <a:t>기타 아무거나 넣고 싶은 기능</a:t>
             </a:r>
             <a:r>
-              <a:rPr lang="en-US" altLang="ko-KR" dirty="0" smtClean="0"/>
+              <a:rPr lang="en-US" altLang="ko-KR" dirty="0"/>
               <a:t>???</a:t>
             </a:r>
             <a:br>
-              <a:rPr lang="en-US" altLang="ko-KR" dirty="0" smtClean="0"/>
+              <a:rPr lang="en-US" altLang="ko-KR" dirty="0"/>
             </a:br>
             <a:r>
-              <a:rPr lang="ko-KR" altLang="en-US" dirty="0" err="1" smtClean="0"/>
+              <a:rPr lang="ko-KR" altLang="en-US" dirty="0" err="1"/>
               <a:t>기브미</a:t>
             </a:r>
             <a:r>
-              <a:rPr lang="ko-KR" altLang="en-US" dirty="0" smtClean="0"/>
+              <a:rPr lang="ko-KR" altLang="en-US" dirty="0"/>
               <a:t> 아이디어</a:t>
             </a:r>
-            <a:endParaRPr lang="ko-KR" altLang="en-US" dirty="0"/>
           </a:p>
         </p:txBody>
       </p:sp>
@@ -3564,7 +4061,7 @@
   <a:extraClrSchemeLst/>
   <a:extLst>
     <a:ext uri="{05A4C25C-085E-4340-85A3-A5531E510DB2}">
-      <thm15:themeFamily xmlns:thm15="http://schemas.microsoft.com/office/thememl/2012/main" xmlns="" name="Office Theme" id="{62F939B6-93AF-4DB8-9C6B-D6C7DFDC589F}" vid="{4A3C46E8-61CC-4603-A589-7422A47A8E4A}"/>
+      <thm15:themeFamily xmlns:thm15="http://schemas.microsoft.com/office/thememl/2012/main" name="Office Theme" id="{62F939B6-93AF-4DB8-9C6B-D6C7DFDC589F}" vid="{4A3C46E8-61CC-4603-A589-7422A47A8E4A}"/>
     </a:ext>
   </a:extLst>
 </a:theme>
